--- a/Documentation/PITCH.pptx
+++ b/Documentation/PITCH.pptx
@@ -2126,7 +2126,7 @@
               <a:ea typeface="+mn-ea"/>
               <a:cs typeface="+mn-cs"/>
             </a:rPr>
-            <a:t>180 images covering small areas of synoptic maps</a:t>
+            <a:t>300 images covering small areas of synoptic maps</a:t>
           </a:r>
         </a:p>
       </dgm:t>
@@ -2457,6 +2457,49 @@
         </a:p>
       </dgm:t>
     </dgm:pt>
+    <dgm:pt modelId="{B6D84AAC-5BB8-EC4A-88D8-727E4CD86665}">
+      <dgm:prSet/>
+      <dgm:spPr/>
+      <dgm:t>
+        <a:bodyPr/>
+        <a:lstStyle/>
+        <a:p>
+          <a:pPr marL="0">
+            <a:lnSpc>
+              <a:spcPct val="100000"/>
+            </a:lnSpc>
+          </a:pPr>
+          <a:r>
+            <a:rPr lang="en-US" sz="1400" spc="50" baseline="0" dirty="0">
+              <a:latin typeface="+mn-lt"/>
+            </a:rPr>
+            <a:t>No front</a:t>
+          </a:r>
+        </a:p>
+      </dgm:t>
+    </dgm:pt>
+    <dgm:pt modelId="{1F91412C-2CE7-4047-BC61-C078272ACC72}" type="parTrans" cxnId="{B5564600-1C04-6B4D-B5D3-7328752B6597}">
+      <dgm:prSet/>
+      <dgm:spPr/>
+      <dgm:t>
+        <a:bodyPr/>
+        <a:lstStyle/>
+        <a:p>
+          <a:endParaRPr lang="en-US"/>
+        </a:p>
+      </dgm:t>
+    </dgm:pt>
+    <dgm:pt modelId="{B31DEE74-5DD9-234C-8970-09C67AFDED3E}" type="sibTrans" cxnId="{B5564600-1C04-6B4D-B5D3-7328752B6597}">
+      <dgm:prSet/>
+      <dgm:spPr/>
+      <dgm:t>
+        <a:bodyPr/>
+        <a:lstStyle/>
+        <a:p>
+          <a:endParaRPr lang="en-US"/>
+        </a:p>
+      </dgm:t>
+    </dgm:pt>
     <dgm:pt modelId="{E4B4F7C4-5024-45F0-9FD7-C5068A1AE6C4}" type="pres">
       <dgm:prSet presAssocID="{0DD8915E-DC14-41D6-9BB5-F49E1C265163}" presName="Name0" presStyleCnt="0">
         <dgm:presLayoutVars>
@@ -2580,6 +2623,7 @@
     </dgm:pt>
   </dgm:ptLst>
   <dgm:cxnLst>
+    <dgm:cxn modelId="{B5564600-1C04-6B4D-B5D3-7328752B6597}" srcId="{50418D2B-9486-42DE-AFDD-1D31420040FF}" destId="{B6D84AAC-5BB8-EC4A-88D8-727E4CD86665}" srcOrd="3" destOrd="0" parTransId="{1F91412C-2CE7-4047-BC61-C078272ACC72}" sibTransId="{B31DEE74-5DD9-234C-8970-09C67AFDED3E}"/>
     <dgm:cxn modelId="{F28D7702-2FC3-49BD-BB13-C989E5EE622A}" srcId="{0DD8915E-DC14-41D6-9BB5-F49E1C265163}" destId="{B1AFA1AF-0FF8-45B3-A6D0-0E255A2F637D}" srcOrd="1" destOrd="0" parTransId="{10C68AF5-481C-45AA-A216-8BBBB04515B9}" sibTransId="{88649F7A-400B-4056-965D-C9AC0B3AD942}"/>
     <dgm:cxn modelId="{31826907-E438-4A1B-A800-F181C547104F}" type="presOf" srcId="{30A490C8-22B4-4D68-875C-0F0DE2FF864D}" destId="{22359DD7-1BFB-4900-BAE6-6084F2F57988}" srcOrd="0" destOrd="0" presId="urn:microsoft.com/office/officeart/2016/7/layout/HorizontalActionList"/>
     <dgm:cxn modelId="{A0077D09-C12C-46D0-8DF7-194B6911362A}" srcId="{0DD8915E-DC14-41D6-9BB5-F49E1C265163}" destId="{73D947E0-108F-4D20-A71E-3CF329F97212}" srcOrd="0" destOrd="0" parTransId="{9D249532-A24D-4D8F-848A-9F42F2E486C9}" sibTransId="{AE813459-65AB-4FA9-B717-330DDA6DFA4E}"/>
@@ -2594,6 +2638,7 @@
     <dgm:cxn modelId="{77A55366-077C-403B-A9E1-B9C6B5CA3288}" type="presOf" srcId="{73D947E0-108F-4D20-A71E-3CF329F97212}" destId="{BDBD7220-3F85-45D2-BED6-5BBFBC23EAE3}" srcOrd="0" destOrd="0" presId="urn:microsoft.com/office/officeart/2016/7/layout/HorizontalActionList"/>
     <dgm:cxn modelId="{F942F56C-9025-4AA1-9B36-C5AE0A93B0F5}" srcId="{4F85505A-81B6-4FDA-A144-900B71DAD946}" destId="{FEB4A941-E9FA-4A86-A673-85FF34B35F20}" srcOrd="0" destOrd="0" parTransId="{39522508-BC4E-4DD5-A744-AFEFFE36DB74}" sibTransId="{97624CC8-6315-4683-B26C-C30D552DA5A6}"/>
     <dgm:cxn modelId="{B7F6ED6E-855A-4A7B-AE18-3BD04546002C}" type="presOf" srcId="{B1AFA1AF-0FF8-45B3-A6D0-0E255A2F637D}" destId="{C4F84DEA-2002-4D32-8E80-70EEE05E345A}" srcOrd="0" destOrd="0" presId="urn:microsoft.com/office/officeart/2016/7/layout/HorizontalActionList"/>
+    <dgm:cxn modelId="{DFD42670-2328-A04E-B6EC-81A5295E75B9}" type="presOf" srcId="{B6D84AAC-5BB8-EC4A-88D8-727E4CD86665}" destId="{4FEB85EB-D046-4CDB-8A62-BBCE260C4490}" srcOrd="0" destOrd="4" presId="urn:microsoft.com/office/officeart/2016/7/layout/HorizontalActionList"/>
     <dgm:cxn modelId="{4A97758E-B60A-FB4F-92BE-3AB4C59F8AE9}" type="presOf" srcId="{21EFD7B8-DD9A-EE47-9D03-B123BAE2FF29}" destId="{4FEB85EB-D046-4CDB-8A62-BBCE260C4490}" srcOrd="0" destOrd="2" presId="urn:microsoft.com/office/officeart/2016/7/layout/HorizontalActionList"/>
     <dgm:cxn modelId="{CE0D2CAB-2901-A74F-88E4-1D1A4D81B6C1}" srcId="{50418D2B-9486-42DE-AFDD-1D31420040FF}" destId="{21EFD7B8-DD9A-EE47-9D03-B123BAE2FF29}" srcOrd="1" destOrd="0" parTransId="{7CCA90A5-DF19-0E42-86B8-7B9730CF8EA0}" sibTransId="{4E109EA8-AF0D-7348-A141-9B8729E430E5}"/>
     <dgm:cxn modelId="{110097B3-0B24-42EE-9C79-845C028B379B}" type="presOf" srcId="{E9682B4F-0217-4B50-923E-C104AA24290F}" destId="{49B7F8FA-D256-41EF-9327-52A3551D9A60}" srcOrd="0" destOrd="0" presId="urn:microsoft.com/office/officeart/2016/7/layout/HorizontalActionList"/>
@@ -2694,7 +2739,7 @@
       </dsp:nvSpPr>
       <dsp:spPr>
         <a:xfrm>
-          <a:off x="8634" y="646298"/>
+          <a:off x="8634" y="517943"/>
           <a:ext cx="2013350" cy="604005"/>
         </a:xfrm>
         <a:prstGeom prst="rect">
@@ -2769,7 +2814,7 @@
         </a:p>
       </dsp:txBody>
       <dsp:txXfrm>
-        <a:off x="8634" y="646298"/>
+        <a:off x="8634" y="517943"/>
         <a:ext cx="2013350" cy="604005"/>
       </dsp:txXfrm>
     </dsp:sp>
@@ -2780,8 +2825,8 @@
       </dsp:nvSpPr>
       <dsp:spPr>
         <a:xfrm>
-          <a:off x="8634" y="1250303"/>
-          <a:ext cx="2013350" cy="1848310"/>
+          <a:off x="8634" y="1121949"/>
+          <a:ext cx="2013350" cy="2105020"/>
         </a:xfrm>
         <a:prstGeom prst="rect">
           <a:avLst/>
@@ -2851,8 +2896,8 @@
         </a:p>
       </dsp:txBody>
       <dsp:txXfrm>
-        <a:off x="8634" y="1250303"/>
-        <a:ext cx="2013350" cy="1848310"/>
+        <a:off x="8634" y="1121949"/>
+        <a:ext cx="2013350" cy="2105020"/>
       </dsp:txXfrm>
     </dsp:sp>
     <dsp:sp modelId="{C4F84DEA-2002-4D32-8E80-70EEE05E345A}">
@@ -2862,7 +2907,7 @@
       </dsp:nvSpPr>
       <dsp:spPr>
         <a:xfrm>
-          <a:off x="2129879" y="646298"/>
+          <a:off x="2129879" y="517943"/>
           <a:ext cx="2013350" cy="604005"/>
         </a:xfrm>
         <a:prstGeom prst="rect">
@@ -2936,7 +2981,7 @@
         </a:p>
       </dsp:txBody>
       <dsp:txXfrm>
-        <a:off x="2129879" y="646298"/>
+        <a:off x="2129879" y="517943"/>
         <a:ext cx="2013350" cy="604005"/>
       </dsp:txXfrm>
     </dsp:sp>
@@ -2947,8 +2992,8 @@
       </dsp:nvSpPr>
       <dsp:spPr>
         <a:xfrm>
-          <a:off x="2129879" y="1250303"/>
-          <a:ext cx="2013350" cy="1848310"/>
+          <a:off x="2129879" y="1121949"/>
+          <a:ext cx="2013350" cy="2105020"/>
         </a:xfrm>
         <a:prstGeom prst="rect">
           <a:avLst/>
@@ -3076,10 +3121,30 @@
             <a:t>Mixed</a:t>
           </a:r>
         </a:p>
+        <a:p>
+          <a:pPr marL="0" lvl="1" indent="-114300" algn="l" defTabSz="622300">
+            <a:lnSpc>
+              <a:spcPct val="100000"/>
+            </a:lnSpc>
+            <a:spcBef>
+              <a:spcPct val="0"/>
+            </a:spcBef>
+            <a:spcAft>
+              <a:spcPct val="15000"/>
+            </a:spcAft>
+            <a:buChar char="•"/>
+          </a:pPr>
+          <a:r>
+            <a:rPr lang="en-US" sz="1400" kern="1200" spc="50" baseline="0" dirty="0">
+              <a:latin typeface="+mn-lt"/>
+            </a:rPr>
+            <a:t>No front</a:t>
+          </a:r>
+        </a:p>
       </dsp:txBody>
       <dsp:txXfrm>
-        <a:off x="2129879" y="1250303"/>
-        <a:ext cx="2013350" cy="1848310"/>
+        <a:off x="2129879" y="1121949"/>
+        <a:ext cx="2013350" cy="2105020"/>
       </dsp:txXfrm>
     </dsp:sp>
     <dsp:sp modelId="{49B7F8FA-D256-41EF-9327-52A3551D9A60}">
@@ -3089,7 +3154,7 @@
       </dsp:nvSpPr>
       <dsp:spPr>
         <a:xfrm>
-          <a:off x="4251124" y="646298"/>
+          <a:off x="4251124" y="517943"/>
           <a:ext cx="2013350" cy="604005"/>
         </a:xfrm>
         <a:prstGeom prst="rect">
@@ -3163,7 +3228,7 @@
         </a:p>
       </dsp:txBody>
       <dsp:txXfrm>
-        <a:off x="4251124" y="646298"/>
+        <a:off x="4251124" y="517943"/>
         <a:ext cx="2013350" cy="604005"/>
       </dsp:txXfrm>
     </dsp:sp>
@@ -3174,8 +3239,8 @@
       </dsp:nvSpPr>
       <dsp:spPr>
         <a:xfrm>
-          <a:off x="4251124" y="1250303"/>
-          <a:ext cx="2013350" cy="1848310"/>
+          <a:off x="4251124" y="1121949"/>
+          <a:ext cx="2013350" cy="2105020"/>
         </a:xfrm>
         <a:prstGeom prst="rect">
           <a:avLst/>
@@ -3250,13 +3315,13 @@
               <a:ea typeface="+mn-ea"/>
               <a:cs typeface="+mn-cs"/>
             </a:rPr>
-            <a:t>180 images covering small areas of synoptic maps</a:t>
+            <a:t>300 images covering small areas of synoptic maps</a:t>
           </a:r>
         </a:p>
       </dsp:txBody>
       <dsp:txXfrm>
-        <a:off x="4251124" y="1250303"/>
-        <a:ext cx="2013350" cy="1848310"/>
+        <a:off x="4251124" y="1121949"/>
+        <a:ext cx="2013350" cy="2105020"/>
       </dsp:txXfrm>
     </dsp:sp>
     <dsp:sp modelId="{4132ECB1-6BEF-4935-AFA3-B2EAA48FDE7E}">
@@ -3266,7 +3331,7 @@
       </dsp:nvSpPr>
       <dsp:spPr>
         <a:xfrm>
-          <a:off x="6372369" y="646298"/>
+          <a:off x="6372369" y="517943"/>
           <a:ext cx="2013350" cy="604005"/>
         </a:xfrm>
         <a:prstGeom prst="rect">
@@ -3340,7 +3405,7 @@
         </a:p>
       </dsp:txBody>
       <dsp:txXfrm>
-        <a:off x="6372369" y="646298"/>
+        <a:off x="6372369" y="517943"/>
         <a:ext cx="2013350" cy="604005"/>
       </dsp:txXfrm>
     </dsp:sp>
@@ -3351,8 +3416,8 @@
       </dsp:nvSpPr>
       <dsp:spPr>
         <a:xfrm>
-          <a:off x="6372369" y="1250303"/>
-          <a:ext cx="2013350" cy="1848310"/>
+          <a:off x="6372369" y="1121949"/>
+          <a:ext cx="2013350" cy="2105020"/>
         </a:xfrm>
         <a:prstGeom prst="rect">
           <a:avLst/>
@@ -3432,8 +3497,8 @@
         </a:p>
       </dsp:txBody>
       <dsp:txXfrm>
-        <a:off x="6372369" y="1250303"/>
-        <a:ext cx="2013350" cy="1848310"/>
+        <a:off x="6372369" y="1121949"/>
+        <a:ext cx="2013350" cy="2105020"/>
       </dsp:txXfrm>
     </dsp:sp>
     <dsp:sp modelId="{59606EB9-9F10-4D12-A33F-A242FDCC0D0F}">
@@ -3443,7 +3508,7 @@
       </dsp:nvSpPr>
       <dsp:spPr>
         <a:xfrm>
-          <a:off x="8493615" y="646298"/>
+          <a:off x="8493615" y="517943"/>
           <a:ext cx="2013350" cy="604005"/>
         </a:xfrm>
         <a:prstGeom prst="rect">
@@ -3517,7 +3582,7 @@
         </a:p>
       </dsp:txBody>
       <dsp:txXfrm>
-        <a:off x="8493615" y="646298"/>
+        <a:off x="8493615" y="517943"/>
         <a:ext cx="2013350" cy="604005"/>
       </dsp:txXfrm>
     </dsp:sp>
@@ -3528,8 +3593,8 @@
       </dsp:nvSpPr>
       <dsp:spPr>
         <a:xfrm>
-          <a:off x="8493615" y="1250303"/>
-          <a:ext cx="2013350" cy="1848310"/>
+          <a:off x="8493615" y="1121949"/>
+          <a:ext cx="2013350" cy="2105020"/>
         </a:xfrm>
         <a:prstGeom prst="rect">
           <a:avLst/>
@@ -3609,8 +3674,8 @@
         </a:p>
       </dsp:txBody>
       <dsp:txXfrm>
-        <a:off x="8493615" y="1250303"/>
-        <a:ext cx="2013350" cy="1848310"/>
+        <a:off x="8493615" y="1121949"/>
+        <a:ext cx="2013350" cy="2105020"/>
       </dsp:txXfrm>
     </dsp:sp>
   </dsp:spTree>
@@ -6313,7 +6378,7 @@
           <a:p>
             <a:fld id="{B56F32FC-4BD9-442A-A8C6-51598C909FE3}" type="datetimeFigureOut">
               <a:rPr lang="en-US" smtClean="0"/>
-              <a:t>1/7/23</a:t>
+              <a:t>1/15/23</a:t>
             </a:fld>
             <a:endParaRPr lang="en-US" dirty="0"/>
           </a:p>
@@ -6490,7 +6555,7 @@
           <a:p>
             <a:fld id="{056371FA-A98D-41E8-93F4-09945841298A}" type="datetimeFigureOut">
               <a:rPr lang="en-US" smtClean="0"/>
-              <a:t>1/7/23</a:t>
+              <a:t>1/15/23</a:t>
             </a:fld>
             <a:endParaRPr lang="en-US" dirty="0"/>
           </a:p>
@@ -15706,7 +15771,7 @@
 </file>
 
 <file path=ppt/slides/slide10.xml><?xml version="1.0" encoding="utf-8"?>
-<p:sld xmlns:a="http://schemas.openxmlformats.org/drawingml/2006/main" xmlns:r="http://schemas.openxmlformats.org/officeDocument/2006/relationships" xmlns:p="http://schemas.openxmlformats.org/presentationml/2006/main">
+<p:sld xmlns:a="http://schemas.openxmlformats.org/drawingml/2006/main" xmlns:r="http://schemas.openxmlformats.org/officeDocument/2006/relationships" xmlns:p="http://schemas.openxmlformats.org/presentationml/2006/main" show="0">
   <p:cSld>
     <p:spTree>
       <p:nvGrpSpPr>
@@ -19375,7 +19440,7 @@
             <p:ph type="dgm" sz="quarter" idx="15"/>
             <p:extLst>
               <p:ext uri="{D42A27DB-BD31-4B8C-83A1-F6EECF244321}">
-                <p14:modId xmlns:p14="http://schemas.microsoft.com/office/powerpoint/2010/main" val="1431796861"/>
+                <p14:modId xmlns:p14="http://schemas.microsoft.com/office/powerpoint/2010/main" val="2682689846"/>
               </p:ext>
             </p:extLst>
           </p:nvPr>
@@ -19836,15 +19901,7 @@
             </a:pPr>
             <a:r>
               <a:rPr lang="en-US" dirty="0"/>
-              <a:t>Compute confusion matrix, training and </a:t>
-            </a:r>
-            <a:r>
-              <a:rPr lang="en-US" dirty="0" err="1"/>
-              <a:t>testin</a:t>
-            </a:r>
-            <a:r>
-              <a:rPr lang="en-US" dirty="0"/>
-              <a:t> accuracies and losses</a:t>
+              <a:t>Compute confusion matrix, training and testing accuracies and losses</a:t>
             </a:r>
           </a:p>
         </p:txBody>
@@ -20722,6 +20779,15 @@
 </file>
 
 <file path=customXml/item1.xml><?xml version="1.0" encoding="utf-8"?>
+<?mso-contentType ?>
+<FormTemplates xmlns="http://schemas.microsoft.com/sharepoint/v3/contenttype/forms">
+  <Display>DocumentLibraryForm</Display>
+  <Edit>DocumentLibraryForm</Edit>
+  <New>DocumentLibraryForm</New>
+</FormTemplates>
+</file>
+
+<file path=customXml/item2.xml><?xml version="1.0" encoding="utf-8"?>
 <p:properties xmlns:p="http://schemas.microsoft.com/office/2006/metadata/properties" xmlns:xsi="http://www.w3.org/2001/XMLSchema-instance" xmlns:pc="http://schemas.microsoft.com/office/infopath/2007/PartnerControls">
   <documentManagement>
     <_ip_UnifiedCompliancePolicyUIAction xmlns="http://schemas.microsoft.com/sharepoint/v3" xsi:nil="true"/>
@@ -20738,15 +20804,6 @@
     <MediaServiceKeyPoints xmlns="71af3243-3dd4-4a8d-8c0d-dd76da1f02a5" xsi:nil="true"/>
   </documentManagement>
 </p:properties>
-</file>
-
-<file path=customXml/item2.xml><?xml version="1.0" encoding="utf-8"?>
-<?mso-contentType ?>
-<FormTemplates xmlns="http://schemas.microsoft.com/sharepoint/v3/contenttype/forms">
-  <Display>DocumentLibraryForm</Display>
-  <Edit>DocumentLibraryForm</Edit>
-  <New>DocumentLibraryForm</New>
-</FormTemplates>
 </file>
 
 <file path=customXml/item3.xml><?xml version="1.0" encoding="utf-8"?>
@@ -21026,6 +21083,14 @@
 </file>
 
 <file path=customXml/itemProps1.xml><?xml version="1.0" encoding="utf-8"?>
+<ds:datastoreItem xmlns:ds="http://schemas.openxmlformats.org/officeDocument/2006/customXml" ds:itemID="{BD5826B4-4DD2-4A9B-8D6D-E91CF9C2316C}">
+  <ds:schemaRefs>
+    <ds:schemaRef ds:uri="http://schemas.microsoft.com/sharepoint/v3/contenttype/forms"/>
+  </ds:schemaRefs>
+</ds:datastoreItem>
+</file>
+
+<file path=customXml/itemProps2.xml><?xml version="1.0" encoding="utf-8"?>
 <ds:datastoreItem xmlns:ds="http://schemas.openxmlformats.org/officeDocument/2006/customXml" ds:itemID="{4CC7F809-A434-4A8D-A127-1C50C2DB3890}">
   <ds:schemaRefs>
     <ds:schemaRef ds:uri="http://schemas.microsoft.com/office/2006/metadata/properties"/>
@@ -21033,14 +21098,6 @@
     <ds:schemaRef ds:uri="http://schemas.microsoft.com/sharepoint/v3"/>
     <ds:schemaRef ds:uri="71af3243-3dd4-4a8d-8c0d-dd76da1f02a5"/>
     <ds:schemaRef ds:uri="230e9df3-be65-4c73-a93b-d1236ebd677e"/>
-  </ds:schemaRefs>
-</ds:datastoreItem>
-</file>
-
-<file path=customXml/itemProps2.xml><?xml version="1.0" encoding="utf-8"?>
-<ds:datastoreItem xmlns:ds="http://schemas.openxmlformats.org/officeDocument/2006/customXml" ds:itemID="{BD5826B4-4DD2-4A9B-8D6D-E91CF9C2316C}">
-  <ds:schemaRefs>
-    <ds:schemaRef ds:uri="http://schemas.microsoft.com/sharepoint/v3/contenttype/forms"/>
   </ds:schemaRefs>
 </ds:datastoreItem>
 </file>
